--- a/Presentation/Final Poster.pptx
+++ b/Presentation/Final Poster.pptx
@@ -274,7 +274,7 @@
           <a:p>
             <a:fld id="{1D8BD707-D9CF-40AE-B4C6-C98DA3205C09}" type="datetimeFigureOut">
               <a:rPr lang="en-US"/>
-              <a:t>4/25/2019</a:t>
+              <a:t>4/26/2019</a:t>
             </a:fld>
             <a:endParaRPr lang="en-US"/>
           </a:p>
@@ -450,7 +450,7 @@
           <a:p>
             <a:fld id="{1D8BD707-D9CF-40AE-B4C6-C98DA3205C09}" type="datetimeFigureOut">
               <a:rPr lang="en-US"/>
-              <a:t>4/25/2019</a:t>
+              <a:t>4/26/2019</a:t>
             </a:fld>
             <a:endParaRPr lang="en-US"/>
           </a:p>
@@ -669,7 +669,7 @@
           <a:p>
             <a:fld id="{1D8BD707-D9CF-40AE-B4C6-C98DA3205C09}" type="datetimeFigureOut">
               <a:rPr lang="en-US"/>
-              <a:t>4/25/2019</a:t>
+              <a:t>4/26/2019</a:t>
             </a:fld>
             <a:endParaRPr lang="en-US"/>
           </a:p>
@@ -822,7 +822,7 @@
           <a:p>
             <a:fld id="{1D8BD707-D9CF-40AE-B4C6-C98DA3205C09}" type="datetimeFigureOut">
               <a:rPr lang="en-US"/>
-              <a:t>4/25/2019</a:t>
+              <a:t>4/26/2019</a:t>
             </a:fld>
             <a:endParaRPr lang="en-US"/>
           </a:p>
@@ -941,7 +941,7 @@
           <a:p>
             <a:fld id="{1D8BD707-D9CF-40AE-B4C6-C98DA3205C09}" type="datetimeFigureOut">
               <a:rPr lang="en-US"/>
-              <a:t>4/25/2019</a:t>
+              <a:t>4/26/2019</a:t>
             </a:fld>
             <a:endParaRPr lang="en-US"/>
           </a:p>
@@ -1310,7 +1310,7 @@
           <a:p>
             <a:fld id="{1D8BD707-D9CF-40AE-B4C6-C98DA3205C09}" type="datetimeFigureOut">
               <a:rPr lang="en-US"/>
-              <a:t>4/25/2019</a:t>
+              <a:t>4/26/2019</a:t>
             </a:fld>
             <a:endParaRPr lang="en-US"/>
           </a:p>
@@ -1751,7 +1751,47 @@
                 <a:latin typeface="Arial"/>
                 <a:cs typeface="Arial"/>
               </a:rPr>
-              <a:t>Ian Wittler </a:t>
+              <a:t>Ian Wittler | Dr. </a:t>
+            </a:r>
+            <a:r>
+              <a:rPr lang="en-US" sz="3601" b="1" dirty="0" err="1">
+                <a:solidFill>
+                  <a:srgbClr val="BEBEBE"/>
+                </a:solidFill>
+                <a:latin typeface="Arial"/>
+                <a:cs typeface="Arial"/>
+              </a:rPr>
+              <a:t>Xinlian</a:t>
+            </a:r>
+            <a:r>
+              <a:rPr lang="en-US" sz="3601" b="1" dirty="0">
+                <a:solidFill>
+                  <a:srgbClr val="BEBEBE"/>
+                </a:solidFill>
+                <a:latin typeface="Arial"/>
+                <a:cs typeface="Arial"/>
+              </a:rPr>
+              <a:t> Liu | Dr. </a:t>
+            </a:r>
+            <a:r>
+              <a:rPr lang="en-US" sz="3601" b="1" dirty="0" err="1">
+                <a:solidFill>
+                  <a:srgbClr val="BEBEBE"/>
+                </a:solidFill>
+                <a:latin typeface="Arial"/>
+                <a:cs typeface="Arial"/>
+              </a:rPr>
+              <a:t>Aijuan</a:t>
+            </a:r>
+            <a:r>
+              <a:rPr lang="en-US" sz="3601" b="1" dirty="0">
+                <a:solidFill>
+                  <a:srgbClr val="BEBEBE"/>
+                </a:solidFill>
+                <a:latin typeface="Arial"/>
+                <a:cs typeface="Arial"/>
+              </a:rPr>
+              <a:t> Dong </a:t>
             </a:r>
             <a:r>
               <a:rPr sz="3601" b="1" dirty="0">
@@ -2183,7 +2223,7 @@
         <p:spPr>
           <a:xfrm>
             <a:off x="1442979" y="6947982"/>
-            <a:ext cx="12503311" cy="9761647"/>
+            <a:ext cx="12503311" cy="9210214"/>
           </a:xfrm>
           <a:prstGeom prst="rect">
             <a:avLst/>
@@ -2197,25 +2237,11 @@
           <a:lstStyle/>
           <a:p>
             <a:r>
-              <a:rPr lang="en-US" dirty="0">
+              <a:rPr lang="en-US" sz="3950" dirty="0">
                 <a:latin typeface="Times New Roman" panose="02020603050405020304" pitchFamily="18" charset="0"/>
                 <a:cs typeface="Times New Roman" panose="02020603050405020304" pitchFamily="18" charset="0"/>
               </a:rPr>
-              <a:t>Diabetes mellitus is a significant health problem that affects a large majority of patients. In many cases, diabetes is a gateway to more harmful health complications which are associated with longer hospital stays and increased mortality rates. In this paper, the MIMIC-III data set [1] is used to develop and train models that aim to predict mortality of diabetic patients. The models are driven by algorithms including: decision trees, random forests, and neural networks. The best performing model, the convolutional neural network, produced a 0.878 AUC score. In attempt to create a simplified model, the input features for were evaluated and reduced to 5 variables: admission type, age, </a:t>
-            </a:r>
-            <a:r>
-              <a:rPr lang="en-US" dirty="0" err="1">
-                <a:latin typeface="Times New Roman" panose="02020603050405020304" pitchFamily="18" charset="0"/>
-                <a:cs typeface="Times New Roman" panose="02020603050405020304" pitchFamily="18" charset="0"/>
-              </a:rPr>
-              <a:t>Elixhauser</a:t>
-            </a:r>
-            <a:r>
-              <a:rPr lang="en-US" dirty="0">
-                <a:latin typeface="Times New Roman" panose="02020603050405020304" pitchFamily="18" charset="0"/>
-                <a:cs typeface="Times New Roman" panose="02020603050405020304" pitchFamily="18" charset="0"/>
-              </a:rPr>
-              <a:t> score (comorbidity score), blood glucose measurements, and blood glucose range. By focusing strictly on diabetic patients, it can be assured that each patient's blood glucose levels were monitored throughout their stay.  </a:t>
+              <a:t>Diabetes mellitus (DM) is a major public health concern that requires continuing medical care. It is also a leading cause of other serious health complications associated with longer hospital stays and increased mortality rates. Fluctuation of blood glucose levels are easy to monitor.  Physicians manage patients' blood glucose to prevent or slow the progress of diabetes.  In this research, the MIMIC-III data set was used to develop and train multiple models that aimed to predict the mortality of DM patients.  Our deep learning model of convolutional neural network produced a 0.885 AUC score, above all baseline models we constructed, which include decision trees, random forests, and fully connected neural networks. By analyzing the features that drive these models, care management for diabetic patients in an ICU setting can be improved resulting in lowered mortality rates.</a:t>
             </a:r>
           </a:p>
         </p:txBody>
@@ -2313,10 +2339,10 @@
       </p:pic>
       <p:pic>
         <p:nvPicPr>
-          <p:cNvPr id="96" name="Picture 95">
+          <p:cNvPr id="98" name="Picture 97">
             <a:extLst>
               <a:ext uri="{FF2B5EF4-FFF2-40B4-BE49-F238E27FC236}">
-                <a16:creationId xmlns:a16="http://schemas.microsoft.com/office/drawing/2014/main" id="{F9902560-8468-44BC-BDD0-A913B446B866}"/>
+                <a16:creationId xmlns:a16="http://schemas.microsoft.com/office/drawing/2014/main" id="{1C627D11-B44E-4078-ACF9-6E92600306D7}"/>
               </a:ext>
             </a:extLst>
           </p:cNvPr>
@@ -2339,8 +2365,8 @@
         </p:blipFill>
         <p:spPr>
           <a:xfrm>
-            <a:off x="21275780" y="22600954"/>
-            <a:ext cx="6784656" cy="4523104"/>
+            <a:off x="15369967" y="18016783"/>
+            <a:ext cx="12798902" cy="2069525"/>
           </a:xfrm>
           <a:prstGeom prst="rect">
             <a:avLst/>
@@ -2349,10 +2375,10 @@
       </p:pic>
       <p:pic>
         <p:nvPicPr>
-          <p:cNvPr id="98" name="Picture 97">
+          <p:cNvPr id="102" name="Picture 101">
             <a:extLst>
               <a:ext uri="{FF2B5EF4-FFF2-40B4-BE49-F238E27FC236}">
-                <a16:creationId xmlns:a16="http://schemas.microsoft.com/office/drawing/2014/main" id="{1C627D11-B44E-4078-ACF9-6E92600306D7}"/>
+                <a16:creationId xmlns:a16="http://schemas.microsoft.com/office/drawing/2014/main" id="{E0E60BB1-FBCB-4F9B-8E07-8FA853F4FA92}"/>
               </a:ext>
             </a:extLst>
           </p:cNvPr>
@@ -2361,8 +2387,43 @@
           </p:cNvPicPr>
           <p:nvPr/>
         </p:nvPicPr>
+        <p:blipFill rotWithShape="1">
+          <a:blip r:embed="rId10">
+            <a:extLst>
+              <a:ext uri="{28A0092B-C50C-407E-A947-70E740481C1C}">
+                <a14:useLocalDpi xmlns:a14="http://schemas.microsoft.com/office/drawing/2010/main" val="0"/>
+              </a:ext>
+            </a:extLst>
+          </a:blip>
+          <a:srcRect l="1133" r="1799"/>
+          <a:stretch/>
+        </p:blipFill>
+        <p:spPr>
+          <a:xfrm>
+            <a:off x="1019434" y="18079171"/>
+            <a:ext cx="6980405" cy="2998294"/>
+          </a:xfrm>
+          <a:prstGeom prst="rect">
+            <a:avLst/>
+          </a:prstGeom>
+        </p:spPr>
+      </p:pic>
+      <p:pic>
+        <p:nvPicPr>
+          <p:cNvPr id="110" name="Picture 109">
+            <a:extLst>
+              <a:ext uri="{FF2B5EF4-FFF2-40B4-BE49-F238E27FC236}">
+                <a16:creationId xmlns:a16="http://schemas.microsoft.com/office/drawing/2014/main" id="{F8543148-59CE-4DEA-9ABF-BC414D2D5277}"/>
+              </a:ext>
+            </a:extLst>
+          </p:cNvPr>
+          <p:cNvPicPr>
+            <a:picLocks noChangeAspect="1"/>
+          </p:cNvPicPr>
+          <p:nvPr/>
+        </p:nvPicPr>
         <p:blipFill>
-          <a:blip r:embed="rId10">
+          <a:blip r:embed="rId11">
             <a:extLst>
               <a:ext uri="{28A0092B-C50C-407E-A947-70E740481C1C}">
                 <a14:useLocalDpi xmlns:a14="http://schemas.microsoft.com/office/drawing/2010/main" val="0"/>
@@ -2375,148 +2436,6 @@
         </p:blipFill>
         <p:spPr>
           <a:xfrm>
-            <a:off x="15435839" y="17201659"/>
-            <a:ext cx="12798902" cy="2069525"/>
-          </a:xfrm>
-          <a:prstGeom prst="rect">
-            <a:avLst/>
-          </a:prstGeom>
-        </p:spPr>
-      </p:pic>
-      <p:pic>
-        <p:nvPicPr>
-          <p:cNvPr id="100" name="Picture 99">
-            <a:extLst>
-              <a:ext uri="{FF2B5EF4-FFF2-40B4-BE49-F238E27FC236}">
-                <a16:creationId xmlns:a16="http://schemas.microsoft.com/office/drawing/2014/main" id="{A6244250-A440-48CF-BDEE-D68364A557E3}"/>
-              </a:ext>
-            </a:extLst>
-          </p:cNvPr>
-          <p:cNvPicPr>
-            <a:picLocks noChangeAspect="1"/>
-          </p:cNvPicPr>
-          <p:nvPr/>
-        </p:nvPicPr>
-        <p:blipFill>
-          <a:blip r:embed="rId11">
-            <a:extLst>
-              <a:ext uri="{28A0092B-C50C-407E-A947-70E740481C1C}">
-                <a14:useLocalDpi xmlns:a14="http://schemas.microsoft.com/office/drawing/2010/main" val="0"/>
-              </a:ext>
-            </a:extLst>
-          </a:blip>
-          <a:stretch>
-            <a:fillRect/>
-          </a:stretch>
-        </p:blipFill>
-        <p:spPr>
-          <a:xfrm>
-            <a:off x="29733815" y="11074934"/>
-            <a:ext cx="6784655" cy="4644636"/>
-          </a:xfrm>
-          <a:prstGeom prst="rect">
-            <a:avLst/>
-          </a:prstGeom>
-        </p:spPr>
-      </p:pic>
-      <p:pic>
-        <p:nvPicPr>
-          <p:cNvPr id="102" name="Picture 101">
-            <a:extLst>
-              <a:ext uri="{FF2B5EF4-FFF2-40B4-BE49-F238E27FC236}">
-                <a16:creationId xmlns:a16="http://schemas.microsoft.com/office/drawing/2014/main" id="{E0E60BB1-FBCB-4F9B-8E07-8FA853F4FA92}"/>
-              </a:ext>
-            </a:extLst>
-          </p:cNvPr>
-          <p:cNvPicPr>
-            <a:picLocks noChangeAspect="1"/>
-          </p:cNvPicPr>
-          <p:nvPr/>
-        </p:nvPicPr>
-        <p:blipFill rotWithShape="1">
-          <a:blip r:embed="rId12">
-            <a:extLst>
-              <a:ext uri="{28A0092B-C50C-407E-A947-70E740481C1C}">
-                <a14:useLocalDpi xmlns:a14="http://schemas.microsoft.com/office/drawing/2010/main" val="0"/>
-              </a:ext>
-            </a:extLst>
-          </a:blip>
-          <a:srcRect l="1133" r="1799"/>
-          <a:stretch/>
-        </p:blipFill>
-        <p:spPr>
-          <a:xfrm>
-            <a:off x="1019434" y="18079171"/>
-            <a:ext cx="6980405" cy="2998294"/>
-          </a:xfrm>
-          <a:prstGeom prst="rect">
-            <a:avLst/>
-          </a:prstGeom>
-        </p:spPr>
-      </p:pic>
-      <p:pic>
-        <p:nvPicPr>
-          <p:cNvPr id="108" name="Picture 107">
-            <a:extLst>
-              <a:ext uri="{FF2B5EF4-FFF2-40B4-BE49-F238E27FC236}">
-                <a16:creationId xmlns:a16="http://schemas.microsoft.com/office/drawing/2014/main" id="{4CD8071F-5D8B-4226-9C62-43EC390D68A3}"/>
-              </a:ext>
-            </a:extLst>
-          </p:cNvPr>
-          <p:cNvPicPr>
-            <a:picLocks noChangeAspect="1"/>
-          </p:cNvPicPr>
-          <p:nvPr/>
-        </p:nvPicPr>
-        <p:blipFill rotWithShape="1">
-          <a:blip r:embed="rId13">
-            <a:extLst>
-              <a:ext uri="{28A0092B-C50C-407E-A947-70E740481C1C}">
-                <a14:useLocalDpi xmlns:a14="http://schemas.microsoft.com/office/drawing/2010/main" val="0"/>
-              </a:ext>
-            </a:extLst>
-          </a:blip>
-          <a:srcRect l="17526"/>
-          <a:stretch/>
-        </p:blipFill>
-        <p:spPr>
-          <a:xfrm>
-            <a:off x="36774956" y="11074934"/>
-            <a:ext cx="5745895" cy="4644636"/>
-          </a:xfrm>
-          <a:prstGeom prst="rect">
-            <a:avLst/>
-          </a:prstGeom>
-        </p:spPr>
-      </p:pic>
-      <p:pic>
-        <p:nvPicPr>
-          <p:cNvPr id="110" name="Picture 109">
-            <a:extLst>
-              <a:ext uri="{FF2B5EF4-FFF2-40B4-BE49-F238E27FC236}">
-                <a16:creationId xmlns:a16="http://schemas.microsoft.com/office/drawing/2014/main" id="{F8543148-59CE-4DEA-9ABF-BC414D2D5277}"/>
-              </a:ext>
-            </a:extLst>
-          </p:cNvPr>
-          <p:cNvPicPr>
-            <a:picLocks noChangeAspect="1"/>
-          </p:cNvPicPr>
-          <p:nvPr/>
-        </p:nvPicPr>
-        <p:blipFill>
-          <a:blip r:embed="rId14">
-            <a:extLst>
-              <a:ext uri="{28A0092B-C50C-407E-A947-70E740481C1C}">
-                <a14:useLocalDpi xmlns:a14="http://schemas.microsoft.com/office/drawing/2010/main" val="0"/>
-              </a:ext>
-            </a:extLst>
-          </a:blip>
-          <a:stretch>
-            <a:fillRect/>
-          </a:stretch>
-        </p:blipFill>
-        <p:spPr>
-          <a:xfrm>
             <a:off x="1019434" y="21096811"/>
             <a:ext cx="6980405" cy="3045144"/>
           </a:xfrm>
@@ -2539,7 +2458,7 @@
         </p:nvSpPr>
         <p:spPr>
           <a:xfrm>
-            <a:off x="15546153" y="11536417"/>
+            <a:off x="18148749" y="11639229"/>
             <a:ext cx="7200155" cy="584775"/>
           </a:xfrm>
           <a:prstGeom prst="rect">
@@ -2577,7 +2496,7 @@
         </p:nvSpPr>
         <p:spPr>
           <a:xfrm>
-            <a:off x="8484476" y="31383367"/>
+            <a:off x="8462143" y="31247493"/>
             <a:ext cx="7200155" cy="584775"/>
           </a:xfrm>
           <a:prstGeom prst="rect">
@@ -2615,7 +2534,7 @@
         </p:nvSpPr>
         <p:spPr>
           <a:xfrm>
-            <a:off x="29733815" y="15879399"/>
+            <a:off x="29848713" y="14274613"/>
             <a:ext cx="7200155" cy="584775"/>
           </a:xfrm>
           <a:prstGeom prst="rect">
@@ -2653,7 +2572,7 @@
         </p:nvSpPr>
         <p:spPr>
           <a:xfrm>
-            <a:off x="36774956" y="15902649"/>
+            <a:off x="36460507" y="14241776"/>
             <a:ext cx="5798310" cy="584775"/>
           </a:xfrm>
           <a:prstGeom prst="rect">
@@ -2691,8 +2610,8 @@
         </p:nvSpPr>
         <p:spPr>
           <a:xfrm>
-            <a:off x="15422612" y="19336715"/>
-            <a:ext cx="9036429" cy="584775"/>
+            <a:off x="15357606" y="20193402"/>
+            <a:ext cx="10002123" cy="584775"/>
           </a:xfrm>
           <a:prstGeom prst="rect">
             <a:avLst/>
@@ -2710,7 +2629,7 @@
                 <a:latin typeface="Times New Roman" panose="02020603050405020304" pitchFamily="18" charset="0"/>
                 <a:cs typeface="Times New Roman" panose="02020603050405020304" pitchFamily="18" charset="0"/>
               </a:rPr>
-              <a:t>Figure 4: Three Sample Rows of Input Features</a:t>
+              <a:t>Figure 5: Three Sample Rows of Reduced Input Features</a:t>
             </a:r>
           </a:p>
         </p:txBody>
@@ -2767,7 +2686,7 @@
         </p:nvSpPr>
         <p:spPr>
           <a:xfrm>
-            <a:off x="21200603" y="27336793"/>
+            <a:off x="22469044" y="16416073"/>
             <a:ext cx="7200155" cy="584775"/>
           </a:xfrm>
           <a:prstGeom prst="rect">
@@ -2786,7 +2705,7 @@
                 <a:latin typeface="Times New Roman" panose="02020603050405020304" pitchFamily="18" charset="0"/>
                 <a:cs typeface="Times New Roman" panose="02020603050405020304" pitchFamily="18" charset="0"/>
               </a:rPr>
-              <a:t>Figure 5: Feature Importance </a:t>
+              <a:t>Figure 4: Feature Importance </a:t>
             </a:r>
           </a:p>
         </p:txBody>
@@ -2860,7 +2779,7 @@
         </p:nvSpPr>
         <p:spPr>
           <a:xfrm>
-            <a:off x="15346262" y="28193236"/>
+            <a:off x="29847555" y="5947626"/>
             <a:ext cx="12800060" cy="856572"/>
           </a:xfrm>
           <a:prstGeom prst="rect">
@@ -2916,7 +2835,7 @@
         <p:spPr>
           <a:xfrm>
             <a:off x="1304065" y="18134931"/>
-            <a:ext cx="12544166" cy="12783308"/>
+            <a:ext cx="12544166" cy="12178975"/>
           </a:xfrm>
           <a:prstGeom prst="rect">
             <a:avLst/>
@@ -2934,7 +2853,7 @@
                 <a:latin typeface="Times New Roman" panose="02020603050405020304" pitchFamily="18" charset="0"/>
                 <a:cs typeface="Times New Roman" panose="02020603050405020304" pitchFamily="18" charset="0"/>
               </a:rPr>
-              <a:t>			          In the data set, 20% 			                         (11820/58976) of all          			         patients had diabetes 				         ICD9 codes. Figure 2 				         breaks down the diabetic 			         patients into two class: 				         alive (89.4%) and not 				         alive (10.6%). These 				         classes represent the 		                                         feature which will be 				             predicted from the models that are created. The imbalance of classes played a role into how the data was split and sampled. Another visualization tool, used for graphing patient’s blood glucose measurements, can be seen in figure 1.</a:t>
+              <a:t>			          In the data set, 20% 			                         (11820/58976) of all          			         patients had diabetes 				         ICD9 codes. Figure 2 				         breaks down the diabetic 			         patients into two class: 				         alive (89.4%) and not 				         alive (10.6%). These 				         classes represent				         what each model in this 	 		          research aims to predict. The imbalance of classes played a role into how the data was split and sampled before training. Another visualization tool, used for graphing patient’s blood glucose measurements, can be seen in figure 1. By observing these</a:t>
             </a:r>
           </a:p>
           <a:p>
@@ -2943,7 +2862,7 @@
                 <a:latin typeface="Times New Roman" panose="02020603050405020304" pitchFamily="18" charset="0"/>
                 <a:cs typeface="Times New Roman" panose="02020603050405020304" pitchFamily="18" charset="0"/>
               </a:rPr>
-              <a:t>By observing these graphs, changes </a:t>
+              <a:t>graphs, changes in patient’s blood </a:t>
             </a:r>
           </a:p>
           <a:p>
@@ -2952,7 +2871,7 @@
                 <a:latin typeface="Times New Roman" panose="02020603050405020304" pitchFamily="18" charset="0"/>
                 <a:cs typeface="Times New Roman" panose="02020603050405020304" pitchFamily="18" charset="0"/>
               </a:rPr>
-              <a:t>in patient’s blood glucose values</a:t>
+              <a:t>glucose values are noticeable. With the</a:t>
             </a:r>
           </a:p>
           <a:p>
@@ -2961,7 +2880,7 @@
                 <a:latin typeface="Times New Roman" panose="02020603050405020304" pitchFamily="18" charset="0"/>
                 <a:cs typeface="Times New Roman" panose="02020603050405020304" pitchFamily="18" charset="0"/>
               </a:rPr>
-              <a:t>are noticeable. With the above figure, </a:t>
+              <a:t>above figure, the red line is used to</a:t>
             </a:r>
           </a:p>
           <a:p>
@@ -2970,7 +2889,7 @@
                 <a:latin typeface="Times New Roman" panose="02020603050405020304" pitchFamily="18" charset="0"/>
                 <a:cs typeface="Times New Roman" panose="02020603050405020304" pitchFamily="18" charset="0"/>
               </a:rPr>
-              <a:t>the red line is used to represent </a:t>
+              <a:t>represent dead patients and the green </a:t>
             </a:r>
           </a:p>
           <a:p>
@@ -2979,16 +2898,7 @@
                 <a:latin typeface="Times New Roman" panose="02020603050405020304" pitchFamily="18" charset="0"/>
                 <a:cs typeface="Times New Roman" panose="02020603050405020304" pitchFamily="18" charset="0"/>
               </a:rPr>
-              <a:t>dead patients and the green line to </a:t>
-            </a:r>
-          </a:p>
-          <a:p>
-            <a:r>
-              <a:rPr lang="en-US" dirty="0">
-                <a:latin typeface="Times New Roman" panose="02020603050405020304" pitchFamily="18" charset="0"/>
-                <a:cs typeface="Times New Roman" panose="02020603050405020304" pitchFamily="18" charset="0"/>
-              </a:rPr>
-              <a:t>represent alive patients.</a:t>
+              <a:t>line to represent alive patients.</a:t>
             </a:r>
           </a:p>
         </p:txBody>
@@ -3008,7 +2918,7 @@
           <p:nvPr/>
         </p:nvPicPr>
         <p:blipFill rotWithShape="1">
-          <a:blip r:embed="rId15">
+          <a:blip r:embed="rId12">
             <a:extLst>
               <a:ext uri="{28A0092B-C50C-407E-A947-70E740481C1C}">
                 <a14:useLocalDpi xmlns:a14="http://schemas.microsoft.com/office/drawing/2010/main" val="0"/>
@@ -3042,8 +2952,8 @@
         </p:nvSpPr>
         <p:spPr>
           <a:xfrm>
-            <a:off x="15346262" y="19900112"/>
-            <a:ext cx="12798902" cy="6135654"/>
+            <a:off x="15369967" y="20783737"/>
+            <a:ext cx="12798902" cy="1905330"/>
           </a:xfrm>
           <a:prstGeom prst="rect">
             <a:avLst/>
@@ -3061,15 +2971,10 @@
                 <a:latin typeface="Times New Roman" panose="02020603050405020304" pitchFamily="18" charset="0"/>
                 <a:cs typeface="Times New Roman" panose="02020603050405020304" pitchFamily="18" charset="0"/>
               </a:rPr>
-              <a:t>After preprocessing and feature reduction was performed, the final data frame consisted of 5 variables (represented in figure 4). Additionally, feature importance for each of these variables was calculated (figure 5) to determine the driving factors of the models. The </a:t>
-            </a:r>
-            <a:r>
-              <a:rPr lang="en-US" dirty="0" err="1">
-                <a:latin typeface="Times New Roman" panose="02020603050405020304" pitchFamily="18" charset="0"/>
-                <a:cs typeface="Times New Roman" panose="02020603050405020304" pitchFamily="18" charset="0"/>
-              </a:rPr>
-              <a:t>Elixhauster</a:t>
-            </a:r>
+              <a:t>After preprocessing and feature reduction was performed, the final data frame consisted of 5 variables (seen in figure 5).</a:t>
+            </a:r>
+          </a:p>
+          <a:p>
             <a:r>
               <a:rPr lang="en-US" dirty="0">
                 <a:latin typeface="Times New Roman" panose="02020603050405020304" pitchFamily="18" charset="0"/>
@@ -3078,51 +2983,6 @@
               <a:t> </a:t>
             </a:r>
           </a:p>
-          <a:p>
-            <a:r>
-              <a:rPr lang="en-US" dirty="0">
-                <a:latin typeface="Times New Roman" panose="02020603050405020304" pitchFamily="18" charset="0"/>
-                <a:cs typeface="Times New Roman" panose="02020603050405020304" pitchFamily="18" charset="0"/>
-              </a:rPr>
-              <a:t>score was the most </a:t>
-            </a:r>
-          </a:p>
-          <a:p>
-            <a:r>
-              <a:rPr lang="en-US" dirty="0">
-                <a:latin typeface="Times New Roman" panose="02020603050405020304" pitchFamily="18" charset="0"/>
-                <a:cs typeface="Times New Roman" panose="02020603050405020304" pitchFamily="18" charset="0"/>
-              </a:rPr>
-              <a:t>impactful feature</a:t>
-            </a:r>
-          </a:p>
-          <a:p>
-            <a:r>
-              <a:rPr lang="en-US" dirty="0">
-                <a:latin typeface="Times New Roman" panose="02020603050405020304" pitchFamily="18" charset="0"/>
-                <a:cs typeface="Times New Roman" panose="02020603050405020304" pitchFamily="18" charset="0"/>
-              </a:rPr>
-              <a:t>followed by age and then </a:t>
-            </a:r>
-          </a:p>
-          <a:p>
-            <a:r>
-              <a:rPr lang="en-US" dirty="0">
-                <a:latin typeface="Times New Roman" panose="02020603050405020304" pitchFamily="18" charset="0"/>
-                <a:cs typeface="Times New Roman" panose="02020603050405020304" pitchFamily="18" charset="0"/>
-              </a:rPr>
-              <a:t>a steady drop off for the </a:t>
-            </a:r>
-          </a:p>
-          <a:p>
-            <a:r>
-              <a:rPr lang="en-US" dirty="0">
-                <a:latin typeface="Times New Roman" panose="02020603050405020304" pitchFamily="18" charset="0"/>
-                <a:cs typeface="Times New Roman" panose="02020603050405020304" pitchFamily="18" charset="0"/>
-              </a:rPr>
-              <a:t>remaining features. </a:t>
-            </a:r>
-          </a:p>
         </p:txBody>
       </p:sp>
       <p:sp>
@@ -3139,8 +2999,8 @@
         </p:nvSpPr>
         <p:spPr>
           <a:xfrm>
-            <a:off x="15423770" y="12131709"/>
-            <a:ext cx="12798902" cy="3718326"/>
+            <a:off x="15354885" y="12432445"/>
+            <a:ext cx="12798902" cy="4926990"/>
           </a:xfrm>
           <a:prstGeom prst="rect">
             <a:avLst/>
@@ -3158,7 +3018,84 @@
                 <a:latin typeface="Times New Roman" panose="02020603050405020304" pitchFamily="18" charset="0"/>
                 <a:cs typeface="Times New Roman" panose="02020603050405020304" pitchFamily="18" charset="0"/>
               </a:rPr>
-              <a:t>In the data, the amount of blood glucose measurements varied widely between different patients seen in figure 3. To create a more structured input matrix, the blood glucose measurements of each patient was incorporated by simply using the last 30 measurements before discharge or death, as deemed to be the most impactful measurements. </a:t>
+              <a:t>It was found that the final 30 </a:t>
+            </a:r>
+          </a:p>
+          <a:p>
+            <a:r>
+              <a:rPr lang="en-US" dirty="0">
+                <a:latin typeface="Times New Roman" panose="02020603050405020304" pitchFamily="18" charset="0"/>
+                <a:cs typeface="Times New Roman" panose="02020603050405020304" pitchFamily="18" charset="0"/>
+              </a:rPr>
+              <a:t>blood glucose measurements </a:t>
+            </a:r>
+          </a:p>
+          <a:p>
+            <a:r>
+              <a:rPr lang="en-US" dirty="0">
+                <a:latin typeface="Times New Roman" panose="02020603050405020304" pitchFamily="18" charset="0"/>
+                <a:cs typeface="Times New Roman" panose="02020603050405020304" pitchFamily="18" charset="0"/>
+              </a:rPr>
+              <a:t>before discharge or death were the</a:t>
+            </a:r>
+          </a:p>
+          <a:p>
+            <a:r>
+              <a:rPr lang="en-US" dirty="0">
+                <a:latin typeface="Times New Roman" panose="02020603050405020304" pitchFamily="18" charset="0"/>
+                <a:cs typeface="Times New Roman" panose="02020603050405020304" pitchFamily="18" charset="0"/>
+              </a:rPr>
+              <a:t>most impactful measurements.</a:t>
+            </a:r>
+          </a:p>
+          <a:p>
+            <a:r>
+              <a:rPr lang="en-US" dirty="0">
+                <a:latin typeface="Times New Roman" panose="02020603050405020304" pitchFamily="18" charset="0"/>
+                <a:cs typeface="Times New Roman" panose="02020603050405020304" pitchFamily="18" charset="0"/>
+              </a:rPr>
+              <a:t>Additionally, the </a:t>
+            </a:r>
+            <a:r>
+              <a:rPr lang="en-US" dirty="0" err="1">
+                <a:latin typeface="Times New Roman" panose="02020603050405020304" pitchFamily="18" charset="0"/>
+                <a:cs typeface="Times New Roman" panose="02020603050405020304" pitchFamily="18" charset="0"/>
+              </a:rPr>
+              <a:t>Elixhauser</a:t>
+            </a:r>
+            <a:r>
+              <a:rPr lang="en-US" dirty="0">
+                <a:latin typeface="Times New Roman" panose="02020603050405020304" pitchFamily="18" charset="0"/>
+                <a:cs typeface="Times New Roman" panose="02020603050405020304" pitchFamily="18" charset="0"/>
+              </a:rPr>
+              <a:t> </a:t>
+            </a:r>
+          </a:p>
+          <a:p>
+            <a:r>
+              <a:rPr lang="en-US" dirty="0">
+                <a:latin typeface="Times New Roman" panose="02020603050405020304" pitchFamily="18" charset="0"/>
+                <a:cs typeface="Times New Roman" panose="02020603050405020304" pitchFamily="18" charset="0"/>
+              </a:rPr>
+              <a:t>comorbidity score was the most</a:t>
+            </a:r>
+          </a:p>
+          <a:p>
+            <a:r>
+              <a:rPr lang="en-US" dirty="0">
+                <a:latin typeface="Times New Roman" panose="02020603050405020304" pitchFamily="18" charset="0"/>
+                <a:cs typeface="Times New Roman" panose="02020603050405020304" pitchFamily="18" charset="0"/>
+              </a:rPr>
+              <a:t>important feature.</a:t>
+            </a:r>
+          </a:p>
+          <a:p>
+            <a:r>
+              <a:rPr lang="en-US" dirty="0">
+                <a:latin typeface="Times New Roman" panose="02020603050405020304" pitchFamily="18" charset="0"/>
+                <a:cs typeface="Times New Roman" panose="02020603050405020304" pitchFamily="18" charset="0"/>
+              </a:rPr>
+              <a:t> </a:t>
             </a:r>
           </a:p>
         </p:txBody>
@@ -3177,7 +3114,7 @@
         </p:nvSpPr>
         <p:spPr>
           <a:xfrm>
-            <a:off x="15422612" y="16107240"/>
+            <a:off x="15354885" y="17053117"/>
             <a:ext cx="12800060" cy="856572"/>
           </a:xfrm>
           <a:prstGeom prst="rect">
@@ -3232,8 +3169,8 @@
         </p:nvSpPr>
         <p:spPr>
           <a:xfrm>
-            <a:off x="15346262" y="29262543"/>
-            <a:ext cx="12798902" cy="2509661"/>
+            <a:off x="29847555" y="6923508"/>
+            <a:ext cx="12798902" cy="1905330"/>
           </a:xfrm>
           <a:prstGeom prst="rect">
             <a:avLst/>
@@ -3251,17 +3188,17 @@
                 <a:latin typeface="Times New Roman" panose="02020603050405020304" pitchFamily="18" charset="0"/>
                 <a:cs typeface="Times New Roman" panose="02020603050405020304" pitchFamily="18" charset="0"/>
               </a:rPr>
-              <a:t>Before modeling the data, over-sampling was performed on the patients who did not live along with under-sampling on the patients who lived. The resulting data was split 70/15/15 training, validation, and testing.</a:t>
-            </a:r>
-          </a:p>
-        </p:txBody>
-      </p:sp>
-      <p:sp>
-        <p:nvSpPr>
-          <p:cNvPr id="129" name="object 4">
+              <a:t>For data balancing purposes, a combination of over-sampling and under-sampling was performed. The resulting sampled data was split 70-15-15 training, testing, and validation.</a:t>
+            </a:r>
+          </a:p>
+        </p:txBody>
+      </p:sp>
+      <p:sp>
+        <p:nvSpPr>
+          <p:cNvPr id="130" name="object 4">
             <a:extLst>
               <a:ext uri="{FF2B5EF4-FFF2-40B4-BE49-F238E27FC236}">
-                <a16:creationId xmlns:a16="http://schemas.microsoft.com/office/drawing/2014/main" id="{8785F101-1452-4289-83DA-B7DB66496D05}"/>
+                <a16:creationId xmlns:a16="http://schemas.microsoft.com/office/drawing/2014/main" id="{7399EFC2-F3C8-49D1-914D-76678588418E}"/>
               </a:ext>
             </a:extLst>
           </p:cNvPr>
@@ -3270,7 +3207,7 @@
         </p:nvSpPr>
         <p:spPr>
           <a:xfrm>
-            <a:off x="29720791" y="5755765"/>
+            <a:off x="29875629" y="8911941"/>
             <a:ext cx="12800060" cy="856572"/>
           </a:xfrm>
           <a:prstGeom prst="rect">
@@ -3302,7 +3239,7 @@
                 <a:latin typeface="Times New Roman"/>
                 <a:cs typeface="Times New Roman"/>
               </a:rPr>
-              <a:t>Model Implementation</a:t>
+              <a:t>Results</a:t>
             </a:r>
             <a:endParaRPr sz="5348" dirty="0">
               <a:latin typeface="Times New Roman"/>
@@ -3313,10 +3250,10 @@
       </p:sp>
       <p:sp>
         <p:nvSpPr>
-          <p:cNvPr id="130" name="object 4">
+          <p:cNvPr id="133" name="TextBox 132">
             <a:extLst>
               <a:ext uri="{FF2B5EF4-FFF2-40B4-BE49-F238E27FC236}">
-                <a16:creationId xmlns:a16="http://schemas.microsoft.com/office/drawing/2014/main" id="{7399EFC2-F3C8-49D1-914D-76678588418E}"/>
+                <a16:creationId xmlns:a16="http://schemas.microsoft.com/office/drawing/2014/main" id="{A6A3253D-6577-4D03-B49D-86089B471AA4}"/>
               </a:ext>
             </a:extLst>
           </p:cNvPr>
@@ -3325,7 +3262,45 @@
         </p:nvSpPr>
         <p:spPr>
           <a:xfrm>
-            <a:off x="29720791" y="9959304"/>
+            <a:off x="29848713" y="14945804"/>
+            <a:ext cx="12798902" cy="3113994"/>
+          </a:xfrm>
+          <a:prstGeom prst="rect">
+            <a:avLst/>
+          </a:prstGeom>
+          <a:noFill/>
+        </p:spPr>
+        <p:txBody>
+          <a:bodyPr wrap="square" rtlCol="0">
+            <a:spAutoFit/>
+          </a:bodyPr>
+          <a:lstStyle/>
+          <a:p>
+            <a:r>
+              <a:rPr lang="en-US" dirty="0">
+                <a:latin typeface="Times New Roman" panose="02020603050405020304" pitchFamily="18" charset="0"/>
+                <a:cs typeface="Times New Roman" panose="02020603050405020304" pitchFamily="18" charset="0"/>
+              </a:rPr>
+              <a:t>Four models were evaluated using AUC seen in figure 7. The CNN produced the best results with a 0.885 AUC score. The improvement in score obtained from the CNN model suggest that blood glucose measurements do serve as an important factor for modeling diabetic patient mortality. </a:t>
+            </a:r>
+          </a:p>
+        </p:txBody>
+      </p:sp>
+      <p:sp>
+        <p:nvSpPr>
+          <p:cNvPr id="134" name="object 4">
+            <a:extLst>
+              <a:ext uri="{FF2B5EF4-FFF2-40B4-BE49-F238E27FC236}">
+                <a16:creationId xmlns:a16="http://schemas.microsoft.com/office/drawing/2014/main" id="{B2D9BF13-A59D-46FF-A27A-12DBF85EAA4A}"/>
+              </a:ext>
+            </a:extLst>
+          </p:cNvPr>
+          <p:cNvSpPr txBox="1"/>
+          <p:nvPr/>
+        </p:nvSpPr>
+        <p:spPr>
+          <a:xfrm>
+            <a:off x="29848713" y="18286474"/>
             <a:ext cx="12800060" cy="856572"/>
           </a:xfrm>
           <a:prstGeom prst="rect">
@@ -3357,7 +3332,7 @@
                 <a:latin typeface="Times New Roman"/>
                 <a:cs typeface="Times New Roman"/>
               </a:rPr>
-              <a:t>Results</a:t>
+              <a:t>Future Work</a:t>
             </a:r>
             <a:endParaRPr sz="5348" dirty="0">
               <a:latin typeface="Times New Roman"/>
@@ -3368,10 +3343,10 @@
       </p:sp>
       <p:sp>
         <p:nvSpPr>
-          <p:cNvPr id="132" name="TextBox 131">
+          <p:cNvPr id="135" name="object 4">
             <a:extLst>
               <a:ext uri="{FF2B5EF4-FFF2-40B4-BE49-F238E27FC236}">
-                <a16:creationId xmlns:a16="http://schemas.microsoft.com/office/drawing/2014/main" id="{E4B1E3A2-AD21-4D13-9700-74981479FA63}"/>
+                <a16:creationId xmlns:a16="http://schemas.microsoft.com/office/drawing/2014/main" id="{25EF17B3-5931-479D-B8AB-305F3D3DDFE4}"/>
               </a:ext>
             </a:extLst>
           </p:cNvPr>
@@ -3380,135 +3355,7 @@
         </p:nvSpPr>
         <p:spPr>
           <a:xfrm>
-            <a:off x="29720791" y="6697175"/>
-            <a:ext cx="12726348" cy="3113994"/>
-          </a:xfrm>
-          <a:prstGeom prst="rect">
-            <a:avLst/>
-          </a:prstGeom>
-          <a:noFill/>
-        </p:spPr>
-        <p:txBody>
-          <a:bodyPr wrap="square" rtlCol="0">
-            <a:spAutoFit/>
-          </a:bodyPr>
-          <a:lstStyle/>
-          <a:p>
-            <a:r>
-              <a:rPr lang="en-US" dirty="0">
-                <a:latin typeface="Times New Roman" panose="02020603050405020304" pitchFamily="18" charset="0"/>
-                <a:cs typeface="Times New Roman" panose="02020603050405020304" pitchFamily="18" charset="0"/>
-              </a:rPr>
-              <a:t>Four types of modeling algorithms were used:</a:t>
-            </a:r>
-          </a:p>
-          <a:p>
-            <a:pPr marL="571500" indent="-571500">
-              <a:buFont typeface="Arial" panose="020B0604020202020204" pitchFamily="34" charset="0"/>
-              <a:buChar char="•"/>
-            </a:pPr>
-            <a:r>
-              <a:rPr lang="en-US" dirty="0">
-                <a:latin typeface="Times New Roman" panose="02020603050405020304" pitchFamily="18" charset="0"/>
-                <a:cs typeface="Times New Roman" panose="02020603050405020304" pitchFamily="18" charset="0"/>
-              </a:rPr>
-              <a:t>Trained Decision Tree</a:t>
-            </a:r>
-          </a:p>
-          <a:p>
-            <a:pPr marL="571500" indent="-571500">
-              <a:buFont typeface="Arial" panose="020B0604020202020204" pitchFamily="34" charset="0"/>
-              <a:buChar char="•"/>
-            </a:pPr>
-            <a:r>
-              <a:rPr lang="en-US" dirty="0">
-                <a:latin typeface="Times New Roman" panose="02020603050405020304" pitchFamily="18" charset="0"/>
-                <a:cs typeface="Times New Roman" panose="02020603050405020304" pitchFamily="18" charset="0"/>
-              </a:rPr>
-              <a:t>Trained Random Forest </a:t>
-            </a:r>
-          </a:p>
-          <a:p>
-            <a:pPr marL="571500" indent="-571500">
-              <a:buFont typeface="Arial" panose="020B0604020202020204" pitchFamily="34" charset="0"/>
-              <a:buChar char="•"/>
-            </a:pPr>
-            <a:r>
-              <a:rPr lang="en-US" dirty="0">
-                <a:latin typeface="Times New Roman" panose="02020603050405020304" pitchFamily="18" charset="0"/>
-                <a:cs typeface="Times New Roman" panose="02020603050405020304" pitchFamily="18" charset="0"/>
-              </a:rPr>
-              <a:t>Feed Forward Neural Network</a:t>
-            </a:r>
-          </a:p>
-          <a:p>
-            <a:pPr marL="571500" indent="-571500">
-              <a:buFont typeface="Arial" panose="020B0604020202020204" pitchFamily="34" charset="0"/>
-              <a:buChar char="•"/>
-            </a:pPr>
-            <a:r>
-              <a:rPr lang="en-US" dirty="0">
-                <a:latin typeface="Times New Roman" panose="02020603050405020304" pitchFamily="18" charset="0"/>
-                <a:cs typeface="Times New Roman" panose="02020603050405020304" pitchFamily="18" charset="0"/>
-              </a:rPr>
-              <a:t>Convolutional Neural Network (CNN)</a:t>
-            </a:r>
-          </a:p>
-        </p:txBody>
-      </p:sp>
-      <p:sp>
-        <p:nvSpPr>
-          <p:cNvPr id="133" name="TextBox 132">
-            <a:extLst>
-              <a:ext uri="{FF2B5EF4-FFF2-40B4-BE49-F238E27FC236}">
-                <a16:creationId xmlns:a16="http://schemas.microsoft.com/office/drawing/2014/main" id="{A6A3253D-6577-4D03-B49D-86089B471AA4}"/>
-              </a:ext>
-            </a:extLst>
-          </p:cNvPr>
-          <p:cNvSpPr txBox="1"/>
-          <p:nvPr/>
-        </p:nvSpPr>
-        <p:spPr>
-          <a:xfrm>
-            <a:off x="29733815" y="16526550"/>
-            <a:ext cx="12798902" cy="3718326"/>
-          </a:xfrm>
-          <a:prstGeom prst="rect">
-            <a:avLst/>
-          </a:prstGeom>
-          <a:noFill/>
-        </p:spPr>
-        <p:txBody>
-          <a:bodyPr wrap="square" rtlCol="0">
-            <a:spAutoFit/>
-          </a:bodyPr>
-          <a:lstStyle/>
-          <a:p>
-            <a:r>
-              <a:rPr lang="en-US" dirty="0">
-                <a:latin typeface="Times New Roman" panose="02020603050405020304" pitchFamily="18" charset="0"/>
-                <a:cs typeface="Times New Roman" panose="02020603050405020304" pitchFamily="18" charset="0"/>
-              </a:rPr>
-              <a:t>The four model were evaluated using AUC. The CNN produced the best results with a 0.878 score. The improvement in score obtained by using a CNN model which can detect different blood glucose patterns suggest that the measurements can serve as an important factor in modeling diabetic patient mortality. </a:t>
-            </a:r>
-          </a:p>
-        </p:txBody>
-      </p:sp>
-      <p:sp>
-        <p:nvSpPr>
-          <p:cNvPr id="134" name="object 4">
-            <a:extLst>
-              <a:ext uri="{FF2B5EF4-FFF2-40B4-BE49-F238E27FC236}">
-                <a16:creationId xmlns:a16="http://schemas.microsoft.com/office/drawing/2014/main" id="{B2D9BF13-A59D-46FF-A27A-12DBF85EAA4A}"/>
-              </a:ext>
-            </a:extLst>
-          </p:cNvPr>
-          <p:cNvSpPr txBox="1"/>
-          <p:nvPr/>
-        </p:nvSpPr>
-        <p:spPr>
-          <a:xfrm>
-            <a:off x="29719633" y="20183046"/>
+            <a:off x="29898053" y="24842031"/>
             <a:ext cx="12800060" cy="856572"/>
           </a:xfrm>
           <a:prstGeom prst="rect">
@@ -3540,7 +3387,7 @@
                 <a:latin typeface="Times New Roman"/>
                 <a:cs typeface="Times New Roman"/>
               </a:rPr>
-              <a:t>Future Work</a:t>
+              <a:t>Acknowledgements and References</a:t>
             </a:r>
             <a:endParaRPr sz="5348" dirty="0">
               <a:latin typeface="Times New Roman"/>
@@ -3551,10 +3398,10 @@
       </p:sp>
       <p:sp>
         <p:nvSpPr>
-          <p:cNvPr id="135" name="object 4">
+          <p:cNvPr id="136" name="TextBox 135">
             <a:extLst>
               <a:ext uri="{FF2B5EF4-FFF2-40B4-BE49-F238E27FC236}">
-                <a16:creationId xmlns:a16="http://schemas.microsoft.com/office/drawing/2014/main" id="{25EF17B3-5931-479D-B8AB-305F3D3DDFE4}"/>
+                <a16:creationId xmlns:a16="http://schemas.microsoft.com/office/drawing/2014/main" id="{CB5B3E64-41A4-4823-99A1-EE2336C3949B}"/>
               </a:ext>
             </a:extLst>
           </p:cNvPr>
@@ -3563,63 +3410,8 @@
         </p:nvSpPr>
         <p:spPr>
           <a:xfrm>
-            <a:off x="29719633" y="25395940"/>
-            <a:ext cx="12800060" cy="856572"/>
-          </a:xfrm>
-          <a:prstGeom prst="rect">
-            <a:avLst/>
-          </a:prstGeom>
-          <a:solidFill>
-            <a:schemeClr val="tx1">
-              <a:lumMod val="65000"/>
-              <a:lumOff val="35000"/>
-            </a:schemeClr>
-          </a:solidFill>
-        </p:spPr>
-        <p:txBody>
-          <a:bodyPr vert="horz" wrap="square" lIns="0" tIns="33265" rIns="0" bIns="0" rtlCol="0">
-            <a:spAutoFit/>
-          </a:bodyPr>
-          <a:lstStyle/>
-          <a:p>
-            <a:pPr marL="271630" algn="ctr">
-              <a:spcBef>
-                <a:spcPts val="262"/>
-              </a:spcBef>
-            </a:pPr>
-            <a:r>
-              <a:rPr lang="en-US" sz="5348" spc="11" dirty="0">
-                <a:solidFill>
-                  <a:srgbClr val="FFFFFF"/>
-                </a:solidFill>
-                <a:latin typeface="Times New Roman"/>
-                <a:cs typeface="Times New Roman"/>
-              </a:rPr>
-              <a:t>Acknowledgements and References</a:t>
-            </a:r>
-            <a:endParaRPr sz="5348" dirty="0">
-              <a:latin typeface="Times New Roman"/>
-              <a:cs typeface="Times New Roman"/>
-            </a:endParaRPr>
-          </a:p>
-        </p:txBody>
-      </p:sp>
-      <p:sp>
-        <p:nvSpPr>
-          <p:cNvPr id="136" name="TextBox 135">
-            <a:extLst>
-              <a:ext uri="{FF2B5EF4-FFF2-40B4-BE49-F238E27FC236}">
-                <a16:creationId xmlns:a16="http://schemas.microsoft.com/office/drawing/2014/main" id="{CB5B3E64-41A4-4823-99A1-EE2336C3949B}"/>
-              </a:ext>
-            </a:extLst>
-          </p:cNvPr>
-          <p:cNvSpPr txBox="1"/>
-          <p:nvPr/>
-        </p:nvSpPr>
-        <p:spPr>
-          <a:xfrm>
-            <a:off x="29719633" y="21024140"/>
-            <a:ext cx="12798902" cy="4322658"/>
+            <a:off x="29849871" y="19180482"/>
+            <a:ext cx="12798902" cy="5531322"/>
           </a:xfrm>
           <a:prstGeom prst="rect">
             <a:avLst/>
@@ -3637,16 +3429,37 @@
                 <a:latin typeface="Times New Roman" panose="02020603050405020304" pitchFamily="18" charset="0"/>
                 <a:cs typeface="Times New Roman" panose="02020603050405020304" pitchFamily="18" charset="0"/>
               </a:rPr>
-              <a:t>Determining how blood glucose measurements can impact other hospital events such as a patient receiving medication, going into surgery, etc., could prove to be an interesting follow up study. This information could help to understand:</a:t>
-            </a:r>
-          </a:p>
-          <a:p>
+              <a:t>Determining how blood glucose measurements can impact other hospital events (such medication distribution, unit transfers, surgeries, etc.) could prove to be an interesting follow up study. This information could help to understand:</a:t>
+            </a:r>
+          </a:p>
+          <a:p>
+            <a:endParaRPr lang="en-US" dirty="0">
+              <a:latin typeface="Times New Roman" panose="02020603050405020304" pitchFamily="18" charset="0"/>
+              <a:cs typeface="Times New Roman" panose="02020603050405020304" pitchFamily="18" charset="0"/>
+            </a:endParaRPr>
+          </a:p>
+          <a:p>
+            <a:pPr marL="742950" indent="-742950">
+              <a:buAutoNum type="arabicPeriod"/>
+            </a:pPr>
             <a:r>
               <a:rPr lang="en-US" dirty="0">
                 <a:latin typeface="Times New Roman" panose="02020603050405020304" pitchFamily="18" charset="0"/>
                 <a:cs typeface="Times New Roman" panose="02020603050405020304" pitchFamily="18" charset="0"/>
               </a:rPr>
-              <a:t>1. What glucose treatments are most desired for positive outcomes and 2. How glucose measurement can be used to predict different events. </a:t>
+              <a:t>What glucose treatments are most desired for positive outcomes.</a:t>
+            </a:r>
+          </a:p>
+          <a:p>
+            <a:pPr marL="742950" indent="-742950">
+              <a:buAutoNum type="arabicPeriod"/>
+            </a:pPr>
+            <a:r>
+              <a:rPr lang="en-US" dirty="0">
+                <a:latin typeface="Times New Roman" panose="02020603050405020304" pitchFamily="18" charset="0"/>
+                <a:cs typeface="Times New Roman" panose="02020603050405020304" pitchFamily="18" charset="0"/>
+              </a:rPr>
+              <a:t>How glucose measurement can be used to predict different events. </a:t>
             </a:r>
           </a:p>
         </p:txBody>
@@ -3707,10 +3520,10 @@
       </p:sp>
       <p:sp>
         <p:nvSpPr>
-          <p:cNvPr id="143" name="TextBox 142">
+          <p:cNvPr id="144" name="TextBox 143">
             <a:extLst>
               <a:ext uri="{FF2B5EF4-FFF2-40B4-BE49-F238E27FC236}">
-                <a16:creationId xmlns:a16="http://schemas.microsoft.com/office/drawing/2014/main" id="{0BB641B1-D695-4920-A25F-06D762017CB6}"/>
+                <a16:creationId xmlns:a16="http://schemas.microsoft.com/office/drawing/2014/main" id="{4A2AB430-D2C8-4D7C-8B96-113A6B25DD48}"/>
               </a:ext>
             </a:extLst>
           </p:cNvPr>
@@ -3719,8 +3532,8 @@
         </p:nvSpPr>
         <p:spPr>
           <a:xfrm>
-            <a:off x="29733815" y="26297569"/>
-            <a:ext cx="12798902" cy="2509661"/>
+            <a:off x="29898053" y="25832488"/>
+            <a:ext cx="12798902" cy="6135654"/>
           </a:xfrm>
           <a:prstGeom prst="rect">
             <a:avLst/>
@@ -3738,45 +3551,117 @@
                 <a:latin typeface="Times New Roman" panose="02020603050405020304" pitchFamily="18" charset="0"/>
                 <a:cs typeface="Times New Roman" panose="02020603050405020304" pitchFamily="18" charset="0"/>
               </a:rPr>
-              <a:t>I would like to express my very great appreciation to Dr. Liu, </a:t>
+              <a:t>I would like to thank Dr. Miranda Darby of the Bioinformatics Program, Dr. Andrew Campbell of the Counseling Program, Dr. Linda Kennedy of the Nursing Program, and Dr. Silvia </a:t>
             </a:r>
             <a:r>
               <a:rPr lang="en-US" dirty="0" err="1">
                 <a:latin typeface="Times New Roman" panose="02020603050405020304" pitchFamily="18" charset="0"/>
                 <a:cs typeface="Times New Roman" panose="02020603050405020304" pitchFamily="18" charset="0"/>
               </a:rPr>
-              <a:t>Xinlian</a:t>
+              <a:t>Crivelli</a:t>
             </a:r>
             <a:r>
               <a:rPr lang="en-US" dirty="0">
                 <a:latin typeface="Times New Roman" panose="02020603050405020304" pitchFamily="18" charset="0"/>
                 <a:cs typeface="Times New Roman" panose="02020603050405020304" pitchFamily="18" charset="0"/>
               </a:rPr>
-              <a:t>, Dr. Dong, </a:t>
-            </a:r>
-            <a:r>
-              <a:rPr lang="en-US" dirty="0" err="1">
-                <a:latin typeface="Times New Roman" panose="02020603050405020304" pitchFamily="18" charset="0"/>
-                <a:cs typeface="Times New Roman" panose="02020603050405020304" pitchFamily="18" charset="0"/>
-              </a:rPr>
-              <a:t>Aijuan</a:t>
-            </a:r>
+              <a:t> of the Lawrence Berkeley National Laboratory for their invaluable insights and constructive criticisms. </a:t>
+            </a:r>
+          </a:p>
+          <a:p>
+            <a:endParaRPr lang="en-US" dirty="0">
+              <a:latin typeface="Times New Roman" panose="02020603050405020304" pitchFamily="18" charset="0"/>
+              <a:cs typeface="Times New Roman" panose="02020603050405020304" pitchFamily="18" charset="0"/>
+            </a:endParaRPr>
+          </a:p>
+          <a:p>
             <a:r>
               <a:rPr lang="en-US" dirty="0">
                 <a:latin typeface="Times New Roman" panose="02020603050405020304" pitchFamily="18" charset="0"/>
                 <a:cs typeface="Times New Roman" panose="02020603050405020304" pitchFamily="18" charset="0"/>
               </a:rPr>
-              <a:t>,, Dr. Darby, Miranda, Dr. Kennedy, Linda, and Dr. Campbell, Andrew for their direction and expertise which positively impacted the quality of research.</a:t>
-            </a:r>
-          </a:p>
-        </p:txBody>
-      </p:sp>
-      <p:sp>
-        <p:nvSpPr>
-          <p:cNvPr id="144" name="TextBox 143">
+              <a:t>This work used the Extreme Science and Engineering Discovery Environment (XSEDE). Specifically, it used the Bridges system, at the Pittsburgh Supercomputing Center (PSC) through an educational allocation TG-ASC190003.</a:t>
+            </a:r>
+          </a:p>
+        </p:txBody>
+      </p:sp>
+      <p:pic>
+        <p:nvPicPr>
+          <p:cNvPr id="6" name="Picture 5">
             <a:extLst>
               <a:ext uri="{FF2B5EF4-FFF2-40B4-BE49-F238E27FC236}">
-                <a16:creationId xmlns:a16="http://schemas.microsoft.com/office/drawing/2014/main" id="{4A2AB430-D2C8-4D7C-8B96-113A6B25DD48}"/>
+                <a16:creationId xmlns:a16="http://schemas.microsoft.com/office/drawing/2014/main" id="{8744C976-1D65-4CF1-81F9-30DE83E476B2}"/>
+              </a:ext>
+            </a:extLst>
+          </p:cNvPr>
+          <p:cNvPicPr>
+            <a:picLocks noChangeAspect="1"/>
+          </p:cNvPicPr>
+          <p:nvPr/>
+        </p:nvPicPr>
+        <p:blipFill>
+          <a:blip r:embed="rId13">
+            <a:extLst>
+              <a:ext uri="{28A0092B-C50C-407E-A947-70E740481C1C}">
+                <a14:useLocalDpi xmlns:a14="http://schemas.microsoft.com/office/drawing/2010/main" val="0"/>
+              </a:ext>
+            </a:extLst>
+          </a:blip>
+          <a:stretch>
+            <a:fillRect/>
+          </a:stretch>
+        </p:blipFill>
+        <p:spPr>
+          <a:xfrm>
+            <a:off x="29848713" y="10032625"/>
+            <a:ext cx="6162156" cy="4108103"/>
+          </a:xfrm>
+          <a:prstGeom prst="rect">
+            <a:avLst/>
+          </a:prstGeom>
+        </p:spPr>
+      </p:pic>
+      <p:pic>
+        <p:nvPicPr>
+          <p:cNvPr id="9" name="Picture 8">
+            <a:extLst>
+              <a:ext uri="{FF2B5EF4-FFF2-40B4-BE49-F238E27FC236}">
+                <a16:creationId xmlns:a16="http://schemas.microsoft.com/office/drawing/2014/main" id="{15D7DEF4-EE4D-43B5-A2E8-EF7449EC7D1D}"/>
+              </a:ext>
+            </a:extLst>
+          </p:cNvPr>
+          <p:cNvPicPr>
+            <a:picLocks noChangeAspect="1"/>
+          </p:cNvPicPr>
+          <p:nvPr/>
+        </p:nvPicPr>
+        <p:blipFill rotWithShape="1">
+          <a:blip r:embed="rId14">
+            <a:extLst>
+              <a:ext uri="{28A0092B-C50C-407E-A947-70E740481C1C}">
+                <a14:useLocalDpi xmlns:a14="http://schemas.microsoft.com/office/drawing/2010/main" val="0"/>
+              </a:ext>
+            </a:extLst>
+          </a:blip>
+          <a:srcRect l="10946"/>
+          <a:stretch/>
+        </p:blipFill>
+        <p:spPr>
+          <a:xfrm>
+            <a:off x="36546667" y="10032625"/>
+            <a:ext cx="5487650" cy="4108103"/>
+          </a:xfrm>
+          <a:prstGeom prst="rect">
+            <a:avLst/>
+          </a:prstGeom>
+        </p:spPr>
+      </p:pic>
+      <p:sp>
+        <p:nvSpPr>
+          <p:cNvPr id="59" name="TextBox 58">
+            <a:extLst>
+              <a:ext uri="{FF2B5EF4-FFF2-40B4-BE49-F238E27FC236}">
+                <a16:creationId xmlns:a16="http://schemas.microsoft.com/office/drawing/2014/main" id="{09CDF099-EE1C-4CBF-B8CC-8F655494DB5C}"/>
               </a:ext>
             </a:extLst>
           </p:cNvPr>
@@ -3785,8 +3670,8 @@
         </p:nvSpPr>
         <p:spPr>
           <a:xfrm>
-            <a:off x="29720698" y="29076449"/>
-            <a:ext cx="12798902" cy="3113994"/>
+            <a:off x="17370163" y="31383367"/>
+            <a:ext cx="7200155" cy="584775"/>
           </a:xfrm>
           <a:prstGeom prst="rect">
             <a:avLst/>
@@ -3800,38 +3685,87 @@
           <a:lstStyle/>
           <a:p>
             <a:r>
-              <a:rPr lang="en-US" dirty="0">
+              <a:rPr lang="en-US" sz="3200" dirty="0">
                 <a:latin typeface="Times New Roman" panose="02020603050405020304" pitchFamily="18" charset="0"/>
                 <a:cs typeface="Times New Roman" panose="02020603050405020304" pitchFamily="18" charset="0"/>
               </a:rPr>
-              <a:t>[1] Alistair E.W. Johnson et al. 2016. MIMIC-III, a freely accessible critical care database. (May 2016). </a:t>
-            </a:r>
-          </a:p>
-          <a:p>
-            <a:r>
-              <a:rPr lang="en-US" dirty="0">
-                <a:latin typeface="Times New Roman" panose="02020603050405020304" pitchFamily="18" charset="0"/>
-                <a:cs typeface="Times New Roman" panose="02020603050405020304" pitchFamily="18" charset="0"/>
-              </a:rPr>
-              <a:t>[2] </a:t>
-            </a:r>
-            <a:r>
-              <a:rPr lang="en-US" dirty="0" err="1">
-                <a:latin typeface="Times New Roman" panose="02020603050405020304" pitchFamily="18" charset="0"/>
-                <a:cs typeface="Times New Roman" panose="02020603050405020304" pitchFamily="18" charset="0"/>
-              </a:rPr>
-              <a:t>Rajsavi</a:t>
-            </a:r>
-            <a:r>
-              <a:rPr lang="en-US" dirty="0">
-                <a:latin typeface="Times New Roman" panose="02020603050405020304" pitchFamily="18" charset="0"/>
-                <a:cs typeface="Times New Roman" panose="02020603050405020304" pitchFamily="18" charset="0"/>
-              </a:rPr>
-              <a:t> S. Anand et al. 2018. Predicting Mortality in Diabetic ICU Patients Using Machine Learning and Severity Indices. (May 2018).</a:t>
-            </a:r>
-          </a:p>
-        </p:txBody>
-      </p:sp>
+              <a:t>Figure 6: Feature Pair Plot </a:t>
+            </a:r>
+          </a:p>
+        </p:txBody>
+      </p:sp>
+      <p:pic>
+        <p:nvPicPr>
+          <p:cNvPr id="18" name="Picture 17">
+            <a:extLst>
+              <a:ext uri="{FF2B5EF4-FFF2-40B4-BE49-F238E27FC236}">
+                <a16:creationId xmlns:a16="http://schemas.microsoft.com/office/drawing/2014/main" id="{A196D0F1-8E26-4E12-98B2-270030430AF4}"/>
+              </a:ext>
+            </a:extLst>
+          </p:cNvPr>
+          <p:cNvPicPr>
+            <a:picLocks noChangeAspect="1"/>
+          </p:cNvPicPr>
+          <p:nvPr/>
+        </p:nvPicPr>
+        <p:blipFill>
+          <a:blip r:embed="rId15">
+            <a:extLst>
+              <a:ext uri="{28A0092B-C50C-407E-A947-70E740481C1C}">
+                <a14:useLocalDpi xmlns:a14="http://schemas.microsoft.com/office/drawing/2010/main" val="0"/>
+              </a:ext>
+            </a:extLst>
+          </a:blip>
+          <a:stretch>
+            <a:fillRect/>
+          </a:stretch>
+        </p:blipFill>
+        <p:spPr>
+          <a:xfrm>
+            <a:off x="22469044" y="12608185"/>
+            <a:ext cx="5487650" cy="3658433"/>
+          </a:xfrm>
+          <a:prstGeom prst="rect">
+            <a:avLst/>
+          </a:prstGeom>
+        </p:spPr>
+      </p:pic>
+      <p:pic>
+        <p:nvPicPr>
+          <p:cNvPr id="21" name="Picture 20">
+            <a:extLst>
+              <a:ext uri="{FF2B5EF4-FFF2-40B4-BE49-F238E27FC236}">
+                <a16:creationId xmlns:a16="http://schemas.microsoft.com/office/drawing/2014/main" id="{43448323-B91C-4C19-8C4E-25D74E973CBE}"/>
+              </a:ext>
+            </a:extLst>
+          </p:cNvPr>
+          <p:cNvPicPr>
+            <a:picLocks noChangeAspect="1"/>
+          </p:cNvPicPr>
+          <p:nvPr/>
+        </p:nvPicPr>
+        <p:blipFill>
+          <a:blip r:embed="rId16">
+            <a:extLst>
+              <a:ext uri="{28A0092B-C50C-407E-A947-70E740481C1C}">
+                <a14:useLocalDpi xmlns:a14="http://schemas.microsoft.com/office/drawing/2010/main" val="0"/>
+              </a:ext>
+            </a:extLst>
+          </a:blip>
+          <a:stretch>
+            <a:fillRect/>
+          </a:stretch>
+        </p:blipFill>
+        <p:spPr>
+          <a:xfrm>
+            <a:off x="17370163" y="22337217"/>
+            <a:ext cx="8930254" cy="8910276"/>
+          </a:xfrm>
+          <a:prstGeom prst="rect">
+            <a:avLst/>
+          </a:prstGeom>
+        </p:spPr>
+      </p:pic>
     </p:spTree>
   </p:cSld>
   <p:clrMapOvr>
